--- a/Unit Tests.pptx
+++ b/Unit Tests.pptx
@@ -112,6 +112,11 @@
       </a:defRPr>
     </a:lvl9pPr>
   </p:defaultTextStyle>
+  <p:extLst>
+    <p:ext uri="{EFAFB233-063F-42B5-8137-9DF3F51BA10A}">
+      <p15:sldGuideLst xmlns:p15="http://schemas.microsoft.com/office/powerpoint/2012/main"/>
+    </p:ext>
+  </p:extLst>
 </p:presentation>
 </file>
 
@@ -5099,6 +5104,13 @@
                 <a:solidFill>
                   <a:schemeClr val="bg2"/>
                 </a:solidFill>
+                <a:effectLst>
+                  <a:outerShdw blurRad="38100" dist="38100" dir="2700000" algn="tl">
+                    <a:srgbClr val="000000">
+                      <a:alpha val="43137"/>
+                    </a:srgbClr>
+                  </a:outerShdw>
+                </a:effectLst>
               </a:rPr>
               <a:t>Unit Tests </a:t>
             </a:r>
@@ -5107,6 +5119,13 @@
                 <a:solidFill>
                   <a:schemeClr val="bg2"/>
                 </a:solidFill>
+                <a:effectLst>
+                  <a:outerShdw blurRad="38100" dist="38100" dir="2700000" algn="tl">
+                    <a:srgbClr val="000000">
+                      <a:alpha val="43137"/>
+                    </a:srgbClr>
+                  </a:outerShdw>
+                </a:effectLst>
               </a:rPr>
             </a:br>
             <a:r>
@@ -5114,6 +5133,13 @@
                 <a:solidFill>
                   <a:schemeClr val="bg2"/>
                 </a:solidFill>
+                <a:effectLst>
+                  <a:outerShdw blurRad="38100" dist="38100" dir="2700000" algn="tl">
+                    <a:srgbClr val="000000">
+                      <a:alpha val="43137"/>
+                    </a:srgbClr>
+                  </a:outerShdw>
+                </a:effectLst>
               </a:rPr>
               <a:t>&amp;</a:t>
             </a:r>
@@ -5122,6 +5148,13 @@
                 <a:solidFill>
                   <a:schemeClr val="bg2"/>
                 </a:solidFill>
+                <a:effectLst>
+                  <a:outerShdw blurRad="38100" dist="38100" dir="2700000" algn="tl">
+                    <a:srgbClr val="000000">
+                      <a:alpha val="43137"/>
+                    </a:srgbClr>
+                  </a:outerShdw>
+                </a:effectLst>
               </a:rPr>
             </a:br>
             <a:r>
@@ -5129,6 +5162,13 @@
                 <a:solidFill>
                   <a:schemeClr val="bg2"/>
                 </a:solidFill>
+                <a:effectLst>
+                  <a:outerShdw blurRad="38100" dist="38100" dir="2700000" algn="tl">
+                    <a:srgbClr val="000000">
+                      <a:alpha val="43137"/>
+                    </a:srgbClr>
+                  </a:outerShdw>
+                </a:effectLst>
               </a:rPr>
               <a:t>Test Driven Development</a:t>
             </a:r>
@@ -5137,6 +5177,13 @@
                 <a:solidFill>
                   <a:schemeClr val="bg2"/>
                 </a:solidFill>
+                <a:effectLst>
+                  <a:outerShdw blurRad="38100" dist="38100" dir="2700000" algn="tl">
+                    <a:srgbClr val="000000">
+                      <a:alpha val="43137"/>
+                    </a:srgbClr>
+                  </a:outerShdw>
+                </a:effectLst>
               </a:rPr>
             </a:br>
             <a:r>
@@ -5144,6 +5191,13 @@
                 <a:solidFill>
                   <a:schemeClr val="bg2"/>
                 </a:solidFill>
+                <a:effectLst>
+                  <a:outerShdw blurRad="38100" dist="38100" dir="2700000" algn="tl">
+                    <a:srgbClr val="000000">
+                      <a:alpha val="43137"/>
+                    </a:srgbClr>
+                  </a:outerShdw>
+                </a:effectLst>
               </a:rPr>
               <a:t>(TDD)</a:t>
             </a:r>
@@ -10410,6 +10464,78 @@
               </a:rPr>
               <a:t>https://codingdojo.org/kata/FizzBuzz/</a:t>
             </a:r>
+          </a:p>
+          <a:p>
+            <a:pPr marL="0" indent="0">
+              <a:lnSpc>
+                <a:spcPct val="110000"/>
+              </a:lnSpc>
+              <a:buNone/>
+            </a:pPr>
+            <a:r>
+              <a:rPr lang="en-GB" sz="1700" dirty="0">
+                <a:solidFill>
+                  <a:srgbClr val="FFFF00"/>
+                </a:solidFill>
+                <a:effectLst>
+                  <a:outerShdw blurRad="38100" dist="38100" dir="2700000" algn="tl">
+                    <a:srgbClr val="000000">
+                      <a:alpha val="43137"/>
+                    </a:srgbClr>
+                  </a:outerShdw>
+                </a:effectLst>
+              </a:rPr>
+              <a:t>How To Create a Snippet</a:t>
+            </a:r>
+          </a:p>
+          <a:p>
+            <a:pPr marL="0" indent="0">
+              <a:lnSpc>
+                <a:spcPct val="110000"/>
+              </a:lnSpc>
+              <a:buNone/>
+            </a:pPr>
+            <a:r>
+              <a:rPr lang="en-GB" sz="1700" dirty="0">
+                <a:solidFill>
+                  <a:schemeClr val="accent3">
+                    <a:lumMod val="20000"/>
+                    <a:lumOff val="80000"/>
+                  </a:schemeClr>
+                </a:solidFill>
+                <a:effectLst>
+                  <a:outerShdw blurRad="38100" dist="38100" dir="2700000" algn="tl">
+                    <a:srgbClr val="000000">
+                      <a:alpha val="43137"/>
+                    </a:srgbClr>
+                  </a:outerShdw>
+                </a:effectLst>
+              </a:rPr>
+              <a:t>https://docs.microsoft.com/en-us/visualstudio/ide/walkthrough-creating-a-code-snippet?view=vs-2019</a:t>
+            </a:r>
+          </a:p>
+          <a:p>
+            <a:pPr marL="0" indent="0">
+              <a:lnSpc>
+                <a:spcPct val="110000"/>
+              </a:lnSpc>
+              <a:buNone/>
+            </a:pPr>
+            <a:endParaRPr lang="en-GB" sz="1700" dirty="0">
+              <a:solidFill>
+                <a:schemeClr val="accent3">
+                  <a:lumMod val="20000"/>
+                  <a:lumOff val="80000"/>
+                </a:schemeClr>
+              </a:solidFill>
+              <a:effectLst>
+                <a:outerShdw blurRad="38100" dist="38100" dir="2700000" algn="tl">
+                  <a:srgbClr val="000000">
+                    <a:alpha val="43137"/>
+                  </a:srgbClr>
+                </a:outerShdw>
+              </a:effectLst>
+            </a:endParaRPr>
           </a:p>
           <a:p>
             <a:pPr marL="0" indent="0">
